--- a/Seccion 1 Introducción al espacio multivariante/Diapositivas/1.8 Coordenadas paralelas.pptx
+++ b/Seccion 1 Introducción al espacio multivariante/Diapositivas/1.8 Coordenadas paralelas.pptx
@@ -267,7 +267,7 @@
             <a:fld id="{B61BEF0D-F0BB-DE4B-95CE-6DB70DBA9567}" type="datetimeFigureOut">
               <a:rPr lang="en-US" smtClean="0"/>
               <a:pPr/>
-              <a:t>12/11/2019</a:t>
+              <a:t>3/20/2020</a:t>
             </a:fld>
             <a:endParaRPr lang="en-US" dirty="0"/>
           </a:p>
@@ -466,7 +466,7 @@
           <a:p>
             <a:fld id="{55C6B4A9-1611-4792-9094-5F34BCA07E0B}" type="datetimeFigureOut">
               <a:rPr lang="en-US" smtClean="0"/>
-              <a:t>12/11/2019</a:t>
+              <a:t>3/20/2020</a:t>
             </a:fld>
             <a:endParaRPr lang="en-US" dirty="0"/>
           </a:p>
@@ -675,7 +675,7 @@
             <a:fld id="{B61BEF0D-F0BB-DE4B-95CE-6DB70DBA9567}" type="datetimeFigureOut">
               <a:rPr lang="en-US" smtClean="0"/>
               <a:pPr/>
-              <a:t>12/11/2019</a:t>
+              <a:t>3/20/2020</a:t>
             </a:fld>
             <a:endParaRPr lang="en-US" dirty="0"/>
           </a:p>
@@ -1495,7 +1495,7 @@
             <a:fld id="{B61BEF0D-F0BB-DE4B-95CE-6DB70DBA9567}" type="datetimeFigureOut">
               <a:rPr lang="en-US" smtClean="0"/>
               <a:pPr/>
-              <a:t>12/11/2019</a:t>
+              <a:t>3/20/2020</a:t>
             </a:fld>
             <a:endParaRPr lang="en-US" dirty="0"/>
           </a:p>
@@ -1667,7 +1667,7 @@
             <a:fld id="{B61BEF0D-F0BB-DE4B-95CE-6DB70DBA9567}" type="datetimeFigureOut">
               <a:rPr lang="en-US" smtClean="0"/>
               <a:pPr/>
-              <a:t>12/11/2019</a:t>
+              <a:t>3/20/2020</a:t>
             </a:fld>
             <a:endParaRPr lang="en-US" dirty="0"/>
           </a:p>
@@ -1916,7 +1916,7 @@
             <a:fld id="{B61BEF0D-F0BB-DE4B-95CE-6DB70DBA9567}" type="datetimeFigureOut">
               <a:rPr lang="en-US" smtClean="0"/>
               <a:pPr/>
-              <a:t>12/11/2019</a:t>
+              <a:t>3/20/2020</a:t>
             </a:fld>
             <a:endParaRPr lang="en-US" dirty="0"/>
           </a:p>
@@ -2149,7 +2149,7 @@
           <a:p>
             <a:fld id="{EB712588-04B1-427B-82EE-E8DB90309F08}" type="datetimeFigureOut">
               <a:rPr lang="en-US" smtClean="0"/>
-              <a:t>12/11/2019</a:t>
+              <a:t>3/20/2020</a:t>
             </a:fld>
             <a:endParaRPr lang="en-US" dirty="0"/>
           </a:p>
@@ -2524,7 +2524,7 @@
             <a:fld id="{B61BEF0D-F0BB-DE4B-95CE-6DB70DBA9567}" type="datetimeFigureOut">
               <a:rPr lang="en-US" smtClean="0"/>
               <a:pPr/>
-              <a:t>12/11/2019</a:t>
+              <a:t>3/20/2020</a:t>
             </a:fld>
             <a:endParaRPr lang="en-US" dirty="0"/>
           </a:p>
@@ -2649,7 +2649,7 @@
             <a:fld id="{B61BEF0D-F0BB-DE4B-95CE-6DB70DBA9567}" type="datetimeFigureOut">
               <a:rPr lang="en-US" smtClean="0"/>
               <a:pPr/>
-              <a:t>12/11/2019</a:t>
+              <a:t>3/20/2020</a:t>
             </a:fld>
             <a:endParaRPr lang="en-US" dirty="0"/>
           </a:p>
@@ -2746,7 +2746,7 @@
             <a:fld id="{B61BEF0D-F0BB-DE4B-95CE-6DB70DBA9567}" type="datetimeFigureOut">
               <a:rPr lang="en-US" smtClean="0"/>
               <a:pPr/>
-              <a:t>12/11/2019</a:t>
+              <a:t>3/20/2020</a:t>
             </a:fld>
             <a:endParaRPr lang="en-US" dirty="0"/>
           </a:p>
@@ -3002,7 +3002,7 @@
           <a:p>
             <a:fld id="{42A54C80-263E-416B-A8E0-580EDEADCBDC}" type="datetimeFigureOut">
               <a:rPr lang="en-US" smtClean="0"/>
-              <a:t>12/11/2019</a:t>
+              <a:t>3/20/2020</a:t>
             </a:fld>
             <a:endParaRPr lang="en-US" dirty="0"/>
           </a:p>
@@ -3189,7 +3189,7 @@
             <a:fld id="{B61BEF0D-F0BB-DE4B-95CE-6DB70DBA9567}" type="datetimeFigureOut">
               <a:rPr lang="en-US" smtClean="0"/>
               <a:pPr/>
-              <a:t>12/11/2019</a:t>
+              <a:t>3/20/2020</a:t>
             </a:fld>
             <a:endParaRPr lang="en-US" dirty="0"/>
           </a:p>
@@ -3509,7 +3509,7 @@
             <a:fld id="{B61BEF0D-F0BB-DE4B-95CE-6DB70DBA9567}" type="datetimeFigureOut">
               <a:rPr lang="en-US" smtClean="0"/>
               <a:pPr/>
-              <a:t>12/11/2019</a:t>
+              <a:t>3/20/2020</a:t>
             </a:fld>
             <a:endParaRPr lang="en-US" dirty="0"/>
           </a:p>
@@ -3719,7 +3719,7 @@
             <a:fld id="{B61BEF0D-F0BB-DE4B-95CE-6DB70DBA9567}" type="datetimeFigureOut">
               <a:rPr lang="en-US" smtClean="0"/>
               <a:pPr/>
-              <a:t>12/11/2019</a:t>
+              <a:t>3/20/2020</a:t>
             </a:fld>
             <a:endParaRPr lang="en-US" dirty="0"/>
           </a:p>
@@ -4035,7 +4035,7 @@
             <a:fld id="{B61BEF0D-F0BB-DE4B-95CE-6DB70DBA9567}" type="datetimeFigureOut">
               <a:rPr lang="en-US" smtClean="0"/>
               <a:pPr/>
-              <a:t>12/11/2019</a:t>
+              <a:t>3/20/2020</a:t>
             </a:fld>
             <a:endParaRPr lang="en-US" dirty="0"/>
           </a:p>
@@ -4370,7 +4370,7 @@
             <a:fld id="{B61BEF0D-F0BB-DE4B-95CE-6DB70DBA9567}" type="datetimeFigureOut">
               <a:rPr lang="en-US" smtClean="0"/>
               <a:pPr/>
-              <a:t>12/11/2019</a:t>
+              <a:t>3/20/2020</a:t>
             </a:fld>
             <a:endParaRPr lang="en-US" dirty="0"/>
           </a:p>
@@ -4686,7 +4686,7 @@
             <a:fld id="{B61BEF0D-F0BB-DE4B-95CE-6DB70DBA9567}" type="datetimeFigureOut">
               <a:rPr lang="en-US" smtClean="0"/>
               <a:pPr/>
-              <a:t>12/11/2019</a:t>
+              <a:t>3/20/2020</a:t>
             </a:fld>
             <a:endParaRPr lang="en-US" dirty="0"/>
           </a:p>
@@ -5081,7 +5081,7 @@
             <a:fld id="{B61BEF0D-F0BB-DE4B-95CE-6DB70DBA9567}" type="datetimeFigureOut">
               <a:rPr lang="en-US" smtClean="0"/>
               <a:pPr/>
-              <a:t>12/11/2019</a:t>
+              <a:t>3/20/2020</a:t>
             </a:fld>
             <a:endParaRPr lang="en-US" dirty="0"/>
           </a:p>
@@ -5252,7 +5252,7 @@
           <a:p>
             <a:fld id="{55C6B4A9-1611-4792-9094-5F34BCA07E0B}" type="datetimeFigureOut">
               <a:rPr lang="en-US" smtClean="0"/>
-              <a:t>12/11/2019</a:t>
+              <a:t>3/20/2020</a:t>
             </a:fld>
             <a:endParaRPr lang="en-US" dirty="0"/>
           </a:p>
@@ -5433,7 +5433,7 @@
             <a:fld id="{B61BEF0D-F0BB-DE4B-95CE-6DB70DBA9567}" type="datetimeFigureOut">
               <a:rPr lang="en-US" smtClean="0"/>
               <a:pPr/>
-              <a:t>12/11/2019</a:t>
+              <a:t>3/20/2020</a:t>
             </a:fld>
             <a:endParaRPr lang="en-US" dirty="0"/>
           </a:p>
@@ -5698,7 +5698,7 @@
             <a:fld id="{B61BEF0D-F0BB-DE4B-95CE-6DB70DBA9567}" type="datetimeFigureOut">
               <a:rPr lang="en-US" smtClean="0"/>
               <a:pPr/>
-              <a:t>12/11/2019</a:t>
+              <a:t>3/20/2020</a:t>
             </a:fld>
             <a:endParaRPr lang="en-US" dirty="0"/>
           </a:p>
@@ -5964,7 +5964,7 @@
           <a:p>
             <a:fld id="{EB712588-04B1-427B-82EE-E8DB90309F08}" type="datetimeFigureOut">
               <a:rPr lang="en-US" smtClean="0"/>
-              <a:t>12/11/2019</a:t>
+              <a:t>3/20/2020</a:t>
             </a:fld>
             <a:endParaRPr lang="en-US" dirty="0"/>
           </a:p>
@@ -6377,7 +6377,7 @@
             <a:fld id="{B61BEF0D-F0BB-DE4B-95CE-6DB70DBA9567}" type="datetimeFigureOut">
               <a:rPr lang="en-US" smtClean="0"/>
               <a:pPr/>
-              <a:t>12/11/2019</a:t>
+              <a:t>3/20/2020</a:t>
             </a:fld>
             <a:endParaRPr lang="en-US" dirty="0"/>
           </a:p>
@@ -6520,7 +6520,7 @@
             <a:fld id="{B61BEF0D-F0BB-DE4B-95CE-6DB70DBA9567}" type="datetimeFigureOut">
               <a:rPr lang="en-US" smtClean="0"/>
               <a:pPr/>
-              <a:t>12/11/2019</a:t>
+              <a:t>3/20/2020</a:t>
             </a:fld>
             <a:endParaRPr lang="en-US" dirty="0"/>
           </a:p>
@@ -6635,7 +6635,7 @@
             <a:fld id="{B61BEF0D-F0BB-DE4B-95CE-6DB70DBA9567}" type="datetimeFigureOut">
               <a:rPr lang="en-US" smtClean="0"/>
               <a:pPr/>
-              <a:t>12/11/2019</a:t>
+              <a:t>3/20/2020</a:t>
             </a:fld>
             <a:endParaRPr lang="en-US" dirty="0"/>
           </a:p>
@@ -6947,7 +6947,7 @@
           <a:p>
             <a:fld id="{42A54C80-263E-416B-A8E0-580EDEADCBDC}" type="datetimeFigureOut">
               <a:rPr lang="en-US" smtClean="0"/>
-              <a:t>12/11/2019</a:t>
+              <a:t>3/20/2020</a:t>
             </a:fld>
             <a:endParaRPr lang="en-US" dirty="0"/>
           </a:p>
@@ -7236,7 +7236,7 @@
             <a:fld id="{B61BEF0D-F0BB-DE4B-95CE-6DB70DBA9567}" type="datetimeFigureOut">
               <a:rPr lang="en-US" smtClean="0"/>
               <a:pPr/>
-              <a:t>12/11/2019</a:t>
+              <a:t>3/20/2020</a:t>
             </a:fld>
             <a:endParaRPr lang="en-US" dirty="0"/>
           </a:p>
@@ -7479,7 +7479,7 @@
             <a:fld id="{B61BEF0D-F0BB-DE4B-95CE-6DB70DBA9567}" type="datetimeFigureOut">
               <a:rPr lang="en-US" smtClean="0"/>
               <a:pPr/>
-              <a:t>12/11/2019</a:t>
+              <a:t>3/20/2020</a:t>
             </a:fld>
             <a:endParaRPr lang="en-US" dirty="0"/>
           </a:p>
@@ -8564,7 +8564,7 @@
             <a:fld id="{B61BEF0D-F0BB-DE4B-95CE-6DB70DBA9567}" type="datetimeFigureOut">
               <a:rPr lang="en-US" smtClean="0"/>
               <a:pPr/>
-              <a:t>12/11/2019</a:t>
+              <a:t>3/20/2020</a:t>
             </a:fld>
             <a:endParaRPr lang="en-US" dirty="0"/>
           </a:p>
@@ -9455,6 +9455,18 @@
             </a:r>
           </a:p>
           <a:p>
+            <a:pPr marL="0" indent="0">
+              <a:buNone/>
+            </a:pPr>
+            <a:endParaRPr lang="es-ES" sz="2000" b="1" dirty="0">
+              <a:solidFill>
+                <a:schemeClr val="bg1"/>
+              </a:solidFill>
+              <a:latin typeface="Calibri" panose="020F0502020204030204" pitchFamily="34" charset="0"/>
+              <a:cs typeface="Calibri" panose="020F0502020204030204" pitchFamily="34" charset="0"/>
+            </a:endParaRPr>
+          </a:p>
+          <a:p>
             <a:r>
               <a:rPr lang="es-ES" sz="2000" dirty="0">
                 <a:solidFill>
@@ -9467,6 +9479,15 @@
             </a:r>
           </a:p>
           <a:p>
+            <a:endParaRPr lang="es-ES" sz="2000" dirty="0">
+              <a:solidFill>
+                <a:schemeClr val="bg1"/>
+              </a:solidFill>
+              <a:latin typeface="Calibri" panose="020F0502020204030204" pitchFamily="34" charset="0"/>
+              <a:cs typeface="Calibri" panose="020F0502020204030204" pitchFamily="34" charset="0"/>
+            </a:endParaRPr>
+          </a:p>
+          <a:p>
             <a:r>
               <a:rPr lang="es-ES" sz="2000" dirty="0">
                 <a:solidFill>
@@ -9477,6 +9498,15 @@
               </a:rPr>
               <a:t>Esta representación es muy útil en alta dimensión.</a:t>
             </a:r>
+          </a:p>
+          <a:p>
+            <a:endParaRPr lang="es-ES" sz="2000" dirty="0">
+              <a:solidFill>
+                <a:schemeClr val="bg1"/>
+              </a:solidFill>
+              <a:latin typeface="Calibri" panose="020F0502020204030204" pitchFamily="34" charset="0"/>
+              <a:cs typeface="Calibri" panose="020F0502020204030204" pitchFamily="34" charset="0"/>
+            </a:endParaRPr>
           </a:p>
           <a:p>
             <a:r>
@@ -10216,8 +10246,8 @@
           </a:p>
         </p:txBody>
       </p:sp>
-      <mc:AlternateContent xmlns:mc="http://schemas.openxmlformats.org/markup-compatibility/2006" xmlns:a14="http://schemas.microsoft.com/office/drawing/2010/main">
-        <mc:Choice Requires="a14">
+      <mc:AlternateContent xmlns:mc="http://schemas.openxmlformats.org/markup-compatibility/2006">
+        <mc:Choice xmlns:a14="http://schemas.microsoft.com/office/drawing/2010/main" Requires="a14">
           <p:sp>
             <p:nvSpPr>
               <p:cNvPr id="3" name="Marcador de contenido 2">
@@ -10254,7 +10284,7 @@
                     <a:latin typeface="Calibri" panose="020F0502020204030204" pitchFamily="34" charset="0"/>
                     <a:cs typeface="Calibri" panose="020F0502020204030204" pitchFamily="34" charset="0"/>
                   </a:rPr>
-                  <a:t>Es una versión suavizada una representación en coordenadas paralelas.</a:t>
+                  <a:t>Es una versión suavizada de la representación en coordenadas paralelas.</a:t>
                 </a:r>
               </a:p>
               <a:p>
@@ -10378,7 +10408,7 @@
             </p:txBody>
           </p:sp>
         </mc:Choice>
-        <mc:Fallback xmlns="">
+        <mc:Fallback>
           <p:sp>
             <p:nvSpPr>
               <p:cNvPr id="3" name="Marcador de contenido 2">
@@ -11403,42 +11433,6 @@
             <a:normAutofit/>
           </a:bodyPr>
           <a:lstStyle/>
-          <a:p>
-            <a:r>
-              <a:rPr lang="es-ES" dirty="0">
-                <a:solidFill>
-                  <a:schemeClr val="bg1"/>
-                </a:solidFill>
-                <a:latin typeface="Calibri" panose="020F0502020204030204" pitchFamily="34" charset="0"/>
-                <a:cs typeface="Calibri" panose="020F0502020204030204" pitchFamily="34" charset="0"/>
-              </a:rPr>
-              <a:t>Es un gráfico bidimensional de tres o más variables cuantitativas representadas en ejes que comienzan desde el mismo punto. </a:t>
-            </a:r>
-          </a:p>
-          <a:p>
-            <a:r>
-              <a:rPr lang="es-ES" dirty="0">
-                <a:solidFill>
-                  <a:srgbClr val="FFC000"/>
-                </a:solidFill>
-                <a:latin typeface="Calibri" panose="020F0502020204030204" pitchFamily="34" charset="0"/>
-                <a:cs typeface="Calibri" panose="020F0502020204030204" pitchFamily="34" charset="0"/>
-              </a:rPr>
-              <a:t>Es equivalente a una gráfica de coordenadas paralelas, con los ejes dispuestos radialmente.</a:t>
-            </a:r>
-          </a:p>
-          <a:p>
-            <a:r>
-              <a:rPr lang="es-ES" dirty="0">
-                <a:solidFill>
-                  <a:srgbClr val="92D050"/>
-                </a:solidFill>
-                <a:latin typeface="Calibri" panose="020F0502020204030204" pitchFamily="34" charset="0"/>
-                <a:cs typeface="Calibri" panose="020F0502020204030204" pitchFamily="34" charset="0"/>
-              </a:rPr>
-              <a:t>También se conoce como gráfico web, gráfico de araña, gráfico de estrellas, o gráfico polar</a:t>
-            </a:r>
-          </a:p>
           <a:p>
             <a:r>
               <a:rPr lang="es-ES" sz="1800" dirty="0">
